--- a/Machine Learning - Null & Void.pptx
+++ b/Machine Learning - Null & Void.pptx
@@ -38,21 +38,21 @@
   <p:notesSz cx="6858000" cy="9144000"/>
   <p:embeddedFontLst>
     <p:embeddedFont>
-      <p:font typeface="Calibri" panose="020F0502020204030204" pitchFamily="34" charset="0"/>
+      <p:font typeface="Nunito" panose="020B0604020202020204" charset="0"/>
       <p:regular r:id="rId28"/>
       <p:bold r:id="rId29"/>
       <p:italic r:id="rId30"/>
       <p:boldItalic r:id="rId31"/>
     </p:embeddedFont>
     <p:embeddedFont>
-      <p:font typeface="Lato" panose="020B0604020202020204" charset="0"/>
+      <p:font typeface="Calibri" panose="020F0502020204030204" pitchFamily="34" charset="0"/>
       <p:regular r:id="rId32"/>
       <p:bold r:id="rId33"/>
       <p:italic r:id="rId34"/>
       <p:boldItalic r:id="rId35"/>
     </p:embeddedFont>
     <p:embeddedFont>
-      <p:font typeface="Nunito" panose="020B0604020202020204" charset="0"/>
+      <p:font typeface="Lato" panose="020B0604020202020204" charset="0"/>
       <p:regular r:id="rId36"/>
       <p:bold r:id="rId37"/>
       <p:italic r:id="rId38"/>
@@ -295,6 +295,11 @@
       </a:defRPr>
     </a:lvl9pPr>
   </p:defaultTextStyle>
+  <p:extLst>
+    <p:ext uri="{EFAFB233-063F-42B5-8137-9DF3F51BA10A}">
+      <p15:sldGuideLst xmlns:p15="http://schemas.microsoft.com/office/powerpoint/2012/main"/>
+    </p:ext>
+  </p:extLst>
 </p:presentation>
 </file>
 
@@ -1350,10 +1355,10 @@
               <a:buNone/>
             </a:pPr>
             <a:r>
-              <a:rPr lang="en"/>
+              <a:rPr lang="en" dirty="0"/>
               <a:t>Raj</a:t>
             </a:r>
-            <a:endParaRPr/>
+            <a:endParaRPr dirty="0"/>
           </a:p>
         </p:txBody>
       </p:sp>
@@ -17691,19 +17696,19 @@
               <a:buChar char="●"/>
             </a:pPr>
             <a:r>
-              <a:rPr lang="en"/>
+              <a:rPr lang="en" dirty="0"/>
               <a:t>General </a:t>
             </a:r>
             <a:r>
-              <a:rPr lang="en" b="1"/>
+              <a:rPr lang="en" b="1" dirty="0"/>
               <a:t>consistency </a:t>
             </a:r>
             <a:r>
-              <a:rPr lang="en"/>
+              <a:rPr lang="en" dirty="0"/>
               <a:t>among our primary models as to the </a:t>
             </a:r>
             <a:r>
-              <a:rPr lang="en" sz="1200" b="1">
+              <a:rPr lang="en" sz="1200" b="1" dirty="0">
                 <a:solidFill>
                   <a:srgbClr val="020202"/>
                 </a:solidFill>
@@ -17718,7 +17723,7 @@
               <a:t>strongest predictors</a:t>
             </a:r>
             <a:r>
-              <a:rPr lang="en" sz="1200">
+              <a:rPr lang="en" sz="1200" dirty="0">
                 <a:solidFill>
                   <a:srgbClr val="020202"/>
                 </a:solidFill>
@@ -17732,7 +17737,7 @@
               </a:rPr>
               <a:t> (e.g. Total SF, Quality) </a:t>
             </a:r>
-            <a:endParaRPr sz="1200">
+            <a:endParaRPr sz="1200" dirty="0">
               <a:solidFill>
                 <a:srgbClr val="020202"/>
               </a:solidFill>
@@ -17757,7 +17762,7 @@
               <a:buChar char="●"/>
             </a:pPr>
             <a:r>
-              <a:rPr lang="en" sz="1200" b="1">
+              <a:rPr lang="en" sz="1200" b="1" dirty="0">
                 <a:solidFill>
                   <a:srgbClr val="020202"/>
                 </a:solidFill>
@@ -17772,7 +17777,7 @@
               <a:t>Multicollinearity Conundrum</a:t>
             </a:r>
             <a:r>
-              <a:rPr lang="en" sz="1200">
+              <a:rPr lang="en" sz="1200" dirty="0">
                 <a:solidFill>
                   <a:srgbClr val="020202"/>
                 </a:solidFill>
@@ -17786,7 +17791,7 @@
               </a:rPr>
               <a:t>: should we disregard our advanced feature engineering which attempted to account for multicollinearity even though it performed worse</a:t>
             </a:r>
-            <a:endParaRPr sz="1200">
+            <a:endParaRPr sz="1200" dirty="0">
               <a:solidFill>
                 <a:srgbClr val="020202"/>
               </a:solidFill>
@@ -17815,7 +17820,7 @@
               <a:buChar char="●"/>
             </a:pPr>
             <a:r>
-              <a:rPr lang="en" sz="1200">
+              <a:rPr lang="en" sz="1200" dirty="0">
                 <a:solidFill>
                   <a:srgbClr val="020202"/>
                 </a:solidFill>
@@ -17830,7 +17835,7 @@
               <a:t>Chasing the </a:t>
             </a:r>
             <a:r>
-              <a:rPr lang="en" sz="1200" b="1">
+              <a:rPr lang="en" sz="1200" b="1" dirty="0">
                 <a:solidFill>
                   <a:srgbClr val="020202"/>
                 </a:solidFill>
@@ -17845,7 +17850,7 @@
               <a:t>lowest RMSE</a:t>
             </a:r>
             <a:r>
-              <a:rPr lang="en" sz="1200">
+              <a:rPr lang="en" sz="1200" dirty="0">
                 <a:solidFill>
                   <a:srgbClr val="020202"/>
                 </a:solidFill>
@@ -17859,7 +17864,7 @@
               </a:rPr>
               <a:t> - we choose to focus on model interability rather than overemphasize the prediction power on Kaggle</a:t>
             </a:r>
-            <a:endParaRPr sz="1200">
+            <a:endParaRPr sz="1200" dirty="0">
               <a:solidFill>
                 <a:srgbClr val="020202"/>
               </a:solidFill>
@@ -17873,7 +17878,7 @@
             </a:endParaRPr>
           </a:p>
           <a:p>
-            <a:pPr marL="457200" lvl="0" indent="-304800">
+            <a:pPr lvl="0" indent="-304800">
               <a:spcBef>
                 <a:spcPts val="1000"/>
               </a:spcBef>
@@ -17888,7 +17893,7 @@
               <a:buChar char="●"/>
             </a:pPr>
             <a:r>
-              <a:rPr lang="en" sz="1200" b="1">
+              <a:rPr lang="en" sz="1200" b="1" dirty="0">
                 <a:solidFill>
                   <a:srgbClr val="020202"/>
                 </a:solidFill>
@@ -17903,7 +17908,7 @@
               <a:t>Simplicity over complication</a:t>
             </a:r>
             <a:r>
-              <a:rPr lang="en" sz="1200">
+              <a:rPr lang="en" sz="1200" dirty="0">
                 <a:solidFill>
                   <a:srgbClr val="020202"/>
                 </a:solidFill>
@@ -17915,9 +17920,21 @@
                 <a:cs typeface="Lato"/>
                 <a:sym typeface="Lato"/>
               </a:rPr>
-              <a:t> - is the size of the data set affecting the performance of the advanced machine learning process</a:t>
+              <a:t> - </a:t>
             </a:r>
-            <a:endParaRPr sz="1200">
+            <a:r>
+              <a:rPr lang="en-US" sz="1200" dirty="0">
+                <a:solidFill>
+                  <a:srgbClr val="020202"/>
+                </a:solidFill>
+                <a:latin typeface="Lato"/>
+                <a:ea typeface="Lato"/>
+                <a:cs typeface="Lato"/>
+                <a:sym typeface="Lato"/>
+              </a:rPr>
+              <a:t>Does individual model performance vary with dataset complexity?</a:t>
+            </a:r>
+            <a:endParaRPr sz="1200" dirty="0">
               <a:solidFill>
                 <a:srgbClr val="020202"/>
               </a:solidFill>
